--- a/06 - Node/slides.pptx
+++ b/06 - Node/slides.pptx
@@ -12278,21 +12278,6 @@
               </a:rPr>
               <a:t>("Example app listening at http://%s:%s", host, port) })</a:t>
             </a:r>
-          </a:p>
-          <a:p>
-            <a:pPr marL="914400" marR="0" lvl="1" indent="-323850" algn="l" rtl="0">
-              <a:lnSpc>
-                <a:spcPct val="115000"/>
-              </a:lnSpc>
-              <a:spcBef>
-                <a:spcPts val="0"/>
-              </a:spcBef>
-              <a:spcAft>
-                <a:spcPts val="0"/>
-              </a:spcAft>
-              <a:buSzPts val="1500"/>
-              <a:buChar char="○"/>
-            </a:pPr>
             <a:endParaRPr sz="1000" dirty="0">
               <a:latin typeface="Courier New"/>
               <a:ea typeface="Courier New"/>
@@ -18820,6 +18805,17 @@
 </file>
 
 <file path=customXml/item2.xml><?xml version="1.0" encoding="utf-8"?>
+<p:properties xmlns:p="http://schemas.microsoft.com/office/2006/metadata/properties" xmlns:xsi="http://www.w3.org/2001/XMLSchema-instance" xmlns:pc="http://schemas.microsoft.com/office/infopath/2007/PartnerControls">
+  <documentManagement>
+    <TaxCatchAll xmlns="e9b5433c-2372-4cb7-8bab-09518096b29b" xsi:nil="true"/>
+    <lcf76f155ced4ddcb4097134ff3c332f xmlns="3bd0d43f-5e5b-43cd-b6fc-691bd77672c6">
+      <Terms xmlns="http://schemas.microsoft.com/office/infopath/2007/PartnerControls"/>
+    </lcf76f155ced4ddcb4097134ff3c332f>
+  </documentManagement>
+</p:properties>
+</file>
+
+<file path=customXml/item3.xml><?xml version="1.0" encoding="utf-8"?>
 <ct:contentTypeSchema xmlns:ct="http://schemas.microsoft.com/office/2006/metadata/contentType" xmlns:ma="http://schemas.microsoft.com/office/2006/metadata/properties/metaAttributes" ct:_="" ma:_="" ma:contentTypeName="Documento" ma:contentTypeID="0x010100B8FA822B18A0634FB7342CF29752587A" ma:contentTypeVersion="13" ma:contentTypeDescription="Creare un nuovo documento." ma:contentTypeScope="" ma:versionID="5c5a1a1f66437ceed8e2102d49525b77">
   <xsd:schema xmlns:xsd="http://www.w3.org/2001/XMLSchema" xmlns:xs="http://www.w3.org/2001/XMLSchema" xmlns:p="http://schemas.microsoft.com/office/2006/metadata/properties" xmlns:ns2="3bd0d43f-5e5b-43cd-b6fc-691bd77672c6" xmlns:ns3="e9b5433c-2372-4cb7-8bab-09518096b29b" targetNamespace="http://schemas.microsoft.com/office/2006/metadata/properties" ma:root="true" ma:fieldsID="79bbaae61552c66980d55f32a6cab4b6" ns2:_="" ns3:_="">
     <xsd:import namespace="3bd0d43f-5e5b-43cd-b6fc-691bd77672c6"/>
@@ -19026,17 +19022,6 @@
 </ct:contentTypeSchema>
 </file>
 
-<file path=customXml/item3.xml><?xml version="1.0" encoding="utf-8"?>
-<p:properties xmlns:p="http://schemas.microsoft.com/office/2006/metadata/properties" xmlns:xsi="http://www.w3.org/2001/XMLSchema-instance" xmlns:pc="http://schemas.microsoft.com/office/infopath/2007/PartnerControls">
-  <documentManagement>
-    <TaxCatchAll xmlns="e9b5433c-2372-4cb7-8bab-09518096b29b" xsi:nil="true"/>
-    <lcf76f155ced4ddcb4097134ff3c332f xmlns="3bd0d43f-5e5b-43cd-b6fc-691bd77672c6">
-      <Terms xmlns="http://schemas.microsoft.com/office/infopath/2007/PartnerControls"/>
-    </lcf76f155ced4ddcb4097134ff3c332f>
-  </documentManagement>
-</p:properties>
-</file>
-
 <file path=customXml/itemProps1.xml><?xml version="1.0" encoding="utf-8"?>
 <ds:datastoreItem xmlns:ds="http://schemas.openxmlformats.org/officeDocument/2006/customXml" ds:itemID="{C9667AA4-1821-4351-AA8A-D68D79B75A5F}">
   <ds:schemaRefs>
@@ -19046,6 +19031,17 @@
 </file>
 
 <file path=customXml/itemProps2.xml><?xml version="1.0" encoding="utf-8"?>
+<ds:datastoreItem xmlns:ds="http://schemas.openxmlformats.org/officeDocument/2006/customXml" ds:itemID="{FA2F9133-9CC8-478F-88F4-0968260E45AB}">
+  <ds:schemaRefs>
+    <ds:schemaRef ds:uri="http://schemas.microsoft.com/office/2006/metadata/properties"/>
+    <ds:schemaRef ds:uri="http://schemas.microsoft.com/office/infopath/2007/PartnerControls"/>
+    <ds:schemaRef ds:uri="e9b5433c-2372-4cb7-8bab-09518096b29b"/>
+    <ds:schemaRef ds:uri="3bd0d43f-5e5b-43cd-b6fc-691bd77672c6"/>
+  </ds:schemaRefs>
+</ds:datastoreItem>
+</file>
+
+<file path=customXml/itemProps3.xml><?xml version="1.0" encoding="utf-8"?>
 <ds:datastoreItem xmlns:ds="http://schemas.openxmlformats.org/officeDocument/2006/customXml" ds:itemID="{8B89CB52-72DE-4DAD-92F7-E8A01E859D16}">
   <ds:schemaRefs>
     <ds:schemaRef ds:uri="http://schemas.microsoft.com/office/2006/metadata/contentType"/>
@@ -19062,15 +19058,4 @@
     <ds:schemaRef ds:uri="http://schemas.microsoft.com/internal/obd"/>
   </ds:schemaRefs>
 </ds:datastoreItem>
-</file>
-
-<file path=customXml/itemProps3.xml><?xml version="1.0" encoding="utf-8"?>
-<ds:datastoreItem xmlns:ds="http://schemas.openxmlformats.org/officeDocument/2006/customXml" ds:itemID="{FA2F9133-9CC8-478F-88F4-0968260E45AB}">
-  <ds:schemaRefs>
-    <ds:schemaRef ds:uri="http://schemas.microsoft.com/office/2006/metadata/properties"/>
-    <ds:schemaRef ds:uri="http://schemas.microsoft.com/office/infopath/2007/PartnerControls"/>
-    <ds:schemaRef ds:uri="e9b5433c-2372-4cb7-8bab-09518096b29b"/>
-    <ds:schemaRef ds:uri="3bd0d43f-5e5b-43cd-b6fc-691bd77672c6"/>
-  </ds:schemaRefs>
-</ds:datastoreItem>
 </file>